--- a/Area de Proceso REQM/PGREQM_v1.0_2015.pptx
+++ b/Area de Proceso REQM/PGREQM_v1.0_2015.pptx
@@ -124,6 +124,11 @@
       </a:defRPr>
     </a:lvl9pPr>
   </p:defaultTextStyle>
+  <p:extLst>
+    <p:ext uri="{EFAFB233-063F-42B5-8137-9DF3F51BA10A}">
+      <p15:sldGuideLst xmlns:p15="http://schemas.microsoft.com/office/powerpoint/2012/main"/>
+    </p:ext>
+  </p:extLst>
 </p:presentation>
 </file>
 
@@ -630,7 +635,7 @@
             <a:fld id="{B61BEF0D-F0BB-DE4B-95CE-6DB70DBA9567}" type="datetimeFigureOut">
               <a:rPr lang="en-US" dirty="0"/>
               <a:pPr/>
-              <a:t>10/19/2015</a:t>
+              <a:t>10/21/2015</a:t>
             </a:fld>
             <a:endParaRPr lang="en-US" dirty="0"/>
           </a:p>
@@ -923,7 +928,7 @@
             <a:fld id="{B61BEF0D-F0BB-DE4B-95CE-6DB70DBA9567}" type="datetimeFigureOut">
               <a:rPr lang="en-US" dirty="0"/>
               <a:pPr/>
-              <a:t>10/19/2015</a:t>
+              <a:t>10/21/2015</a:t>
             </a:fld>
             <a:endParaRPr lang="en-US" dirty="0"/>
           </a:p>
@@ -1168,7 +1173,7 @@
             <a:fld id="{B61BEF0D-F0BB-DE4B-95CE-6DB70DBA9567}" type="datetimeFigureOut">
               <a:rPr lang="en-US" dirty="0"/>
               <a:pPr/>
-              <a:t>10/19/2015</a:t>
+              <a:t>10/21/2015</a:t>
             </a:fld>
             <a:endParaRPr lang="en-US" dirty="0"/>
           </a:p>
@@ -1705,7 +1710,7 @@
             <a:fld id="{B61BEF0D-F0BB-DE4B-95CE-6DB70DBA9567}" type="datetimeFigureOut">
               <a:rPr lang="en-US" dirty="0"/>
               <a:pPr/>
-              <a:t>10/19/2015</a:t>
+              <a:t>10/21/2015</a:t>
             </a:fld>
             <a:endParaRPr lang="en-US" dirty="0"/>
           </a:p>
@@ -1950,7 +1955,7 @@
             <a:fld id="{B61BEF0D-F0BB-DE4B-95CE-6DB70DBA9567}" type="datetimeFigureOut">
               <a:rPr lang="en-US" dirty="0"/>
               <a:pPr/>
-              <a:t>10/19/2015</a:t>
+              <a:t>10/21/2015</a:t>
             </a:fld>
             <a:endParaRPr lang="en-US" dirty="0"/>
           </a:p>
@@ -2479,7 +2484,7 @@
             <a:fld id="{B61BEF0D-F0BB-DE4B-95CE-6DB70DBA9567}" type="datetimeFigureOut">
               <a:rPr lang="en-US" dirty="0"/>
               <a:pPr/>
-              <a:t>10/19/2015</a:t>
+              <a:t>10/21/2015</a:t>
             </a:fld>
             <a:endParaRPr lang="en-US" dirty="0"/>
           </a:p>
@@ -2773,7 +2778,7 @@
             <a:fld id="{B61BEF0D-F0BB-DE4B-95CE-6DB70DBA9567}" type="datetimeFigureOut">
               <a:rPr lang="en-US" dirty="0"/>
               <a:pPr/>
-              <a:t>10/19/2015</a:t>
+              <a:t>10/21/2015</a:t>
             </a:fld>
             <a:endParaRPr lang="en-US" dirty="0"/>
           </a:p>
@@ -2944,7 +2949,7 @@
             <a:fld id="{B61BEF0D-F0BB-DE4B-95CE-6DB70DBA9567}" type="datetimeFigureOut">
               <a:rPr lang="en-US" dirty="0"/>
               <a:pPr/>
-              <a:t>10/19/2015</a:t>
+              <a:t>10/21/2015</a:t>
             </a:fld>
             <a:endParaRPr lang="en-US" dirty="0"/>
           </a:p>
@@ -3121,7 +3126,7 @@
             <a:fld id="{B61BEF0D-F0BB-DE4B-95CE-6DB70DBA9567}" type="datetimeFigureOut">
               <a:rPr lang="en-US" dirty="0"/>
               <a:pPr/>
-              <a:t>10/19/2015</a:t>
+              <a:t>10/21/2015</a:t>
             </a:fld>
             <a:endParaRPr lang="en-US" dirty="0"/>
           </a:p>
@@ -3288,7 +3293,7 @@
             <a:fld id="{B61BEF0D-F0BB-DE4B-95CE-6DB70DBA9567}" type="datetimeFigureOut">
               <a:rPr lang="en-US" dirty="0"/>
               <a:pPr/>
-              <a:t>10/19/2015</a:t>
+              <a:t>10/21/2015</a:t>
             </a:fld>
             <a:endParaRPr lang="en-US" dirty="0"/>
           </a:p>
@@ -3536,7 +3541,7 @@
             <a:fld id="{B61BEF0D-F0BB-DE4B-95CE-6DB70DBA9567}" type="datetimeFigureOut">
               <a:rPr lang="en-US" dirty="0"/>
               <a:pPr/>
-              <a:t>10/19/2015</a:t>
+              <a:t>10/21/2015</a:t>
             </a:fld>
             <a:endParaRPr lang="en-US" dirty="0"/>
           </a:p>
@@ -3830,7 +3835,7 @@
             <a:fld id="{B61BEF0D-F0BB-DE4B-95CE-6DB70DBA9567}" type="datetimeFigureOut">
               <a:rPr lang="en-US" dirty="0"/>
               <a:pPr/>
-              <a:t>10/19/2015</a:t>
+              <a:t>10/21/2015</a:t>
             </a:fld>
             <a:endParaRPr lang="en-US" dirty="0"/>
           </a:p>
@@ -4269,7 +4274,7 @@
             <a:fld id="{B61BEF0D-F0BB-DE4B-95CE-6DB70DBA9567}" type="datetimeFigureOut">
               <a:rPr lang="en-US" dirty="0"/>
               <a:pPr/>
-              <a:t>10/19/2015</a:t>
+              <a:t>10/21/2015</a:t>
             </a:fld>
             <a:endParaRPr lang="en-US" dirty="0"/>
           </a:p>
@@ -4384,7 +4389,7 @@
             <a:fld id="{B61BEF0D-F0BB-DE4B-95CE-6DB70DBA9567}" type="datetimeFigureOut">
               <a:rPr lang="en-US" dirty="0"/>
               <a:pPr/>
-              <a:t>10/19/2015</a:t>
+              <a:t>10/21/2015</a:t>
             </a:fld>
             <a:endParaRPr lang="en-US" dirty="0"/>
           </a:p>
@@ -4476,7 +4481,7 @@
             <a:fld id="{B61BEF0D-F0BB-DE4B-95CE-6DB70DBA9567}" type="datetimeFigureOut">
               <a:rPr lang="en-US" dirty="0"/>
               <a:pPr/>
-              <a:t>10/19/2015</a:t>
+              <a:t>10/21/2015</a:t>
             </a:fld>
             <a:endParaRPr lang="en-US" dirty="0"/>
           </a:p>
@@ -4756,7 +4761,7 @@
             <a:fld id="{B61BEF0D-F0BB-DE4B-95CE-6DB70DBA9567}" type="datetimeFigureOut">
               <a:rPr lang="en-US" dirty="0"/>
               <a:pPr/>
-              <a:t>10/19/2015</a:t>
+              <a:t>10/21/2015</a:t>
             </a:fld>
             <a:endParaRPr lang="en-US" dirty="0"/>
           </a:p>
@@ -5044,7 +5049,7 @@
             <a:fld id="{B61BEF0D-F0BB-DE4B-95CE-6DB70DBA9567}" type="datetimeFigureOut">
               <a:rPr lang="en-US" dirty="0"/>
               <a:pPr/>
-              <a:t>10/19/2015</a:t>
+              <a:t>10/21/2015</a:t>
             </a:fld>
             <a:endParaRPr lang="en-US" dirty="0"/>
           </a:p>
@@ -5571,7 +5576,7 @@
             <a:fld id="{B61BEF0D-F0BB-DE4B-95CE-6DB70DBA9567}" type="datetimeFigureOut">
               <a:rPr lang="en-US" dirty="0"/>
               <a:pPr/>
-              <a:t>10/19/2015</a:t>
+              <a:t>10/21/2015</a:t>
             </a:fld>
             <a:endParaRPr lang="en-US" dirty="0"/>
           </a:p>
@@ -6154,6 +6159,30 @@
           </a:p>
         </p:txBody>
       </p:sp>
+      <p:pic>
+        <p:nvPicPr>
+          <p:cNvPr id="4" name="Imagen 3"/>
+          <p:cNvPicPr>
+            <a:picLocks noChangeAspect="1"/>
+          </p:cNvPicPr>
+          <p:nvPr/>
+        </p:nvPicPr>
+        <p:blipFill rotWithShape="1">
+          <a:blip r:embed="rId2"/>
+          <a:srcRect t="1" r="10280" b="749"/>
+          <a:stretch/>
+        </p:blipFill>
+        <p:spPr>
+          <a:xfrm>
+            <a:off x="1" y="179"/>
+            <a:ext cx="914400" cy="888642"/>
+          </a:xfrm>
+          <a:prstGeom prst="rect">
+            <a:avLst/>
+          </a:prstGeom>
+          <a:noFill/>
+        </p:spPr>
+      </p:pic>
     </p:spTree>
     <p:extLst>
       <p:ext uri="{BB962C8B-B14F-4D97-AF65-F5344CB8AC3E}">
@@ -6164,13 +6193,13 @@
   <p:clrMapOvr>
     <a:masterClrMapping/>
   </p:clrMapOvr>
-  <mc:AlternateContent xmlns:mc="http://schemas.openxmlformats.org/markup-compatibility/2006">
-    <mc:Choice xmlns:p15="http://schemas.microsoft.com/office/powerpoint/2012/main" Requires="p15">
+  <mc:AlternateContent xmlns:mc="http://schemas.openxmlformats.org/markup-compatibility/2006" xmlns:p15="http://schemas.microsoft.com/office/powerpoint/2012/main">
+    <mc:Choice Requires="p15">
       <p:transition xmlns:p14="http://schemas.microsoft.com/office/powerpoint/2010/main" spd="slow" p14:dur="6000">
         <p15:prstTrans prst="curtains"/>
       </p:transition>
     </mc:Choice>
-    <mc:Fallback>
+    <mc:Fallback xmlns="">
       <p:transition spd="slow">
         <p:fade/>
       </p:transition>
@@ -6248,6 +6277,30 @@
           </a:p>
         </p:txBody>
       </p:sp>
+      <p:pic>
+        <p:nvPicPr>
+          <p:cNvPr id="3" name="Imagen 2"/>
+          <p:cNvPicPr>
+            <a:picLocks noChangeAspect="1"/>
+          </p:cNvPicPr>
+          <p:nvPr/>
+        </p:nvPicPr>
+        <p:blipFill rotWithShape="1">
+          <a:blip r:embed="rId2"/>
+          <a:srcRect t="1" r="10280" b="749"/>
+          <a:stretch/>
+        </p:blipFill>
+        <p:spPr>
+          <a:xfrm>
+            <a:off x="1" y="179"/>
+            <a:ext cx="914400" cy="888642"/>
+          </a:xfrm>
+          <a:prstGeom prst="rect">
+            <a:avLst/>
+          </a:prstGeom>
+          <a:noFill/>
+        </p:spPr>
+      </p:pic>
     </p:spTree>
     <p:extLst>
       <p:ext uri="{BB962C8B-B14F-4D97-AF65-F5344CB8AC3E}">
@@ -6380,19 +6433,7 @@
               <a:rPr lang="es-PE" dirty="0">
                 <a:latin typeface="Candara" panose="020E0502030303020204" pitchFamily="34" charset="0"/>
               </a:rPr>
-              <a:t>Plan </a:t>
-            </a:r>
-            <a:r>
-              <a:rPr lang="es-PE" dirty="0">
-                <a:latin typeface="Candara" panose="020E0502030303020204" pitchFamily="34" charset="0"/>
-              </a:rPr>
-              <a:t>del </a:t>
-            </a:r>
-            <a:r>
-              <a:rPr lang="es-PE" dirty="0">
-                <a:latin typeface="Candara" panose="020E0502030303020204" pitchFamily="34" charset="0"/>
-              </a:rPr>
-              <a:t>Proyecto</a:t>
+              <a:t>Plan del Proyecto</a:t>
             </a:r>
           </a:p>
           <a:p>
@@ -6405,23 +6446,8 @@
               <a:rPr lang="es-PE" dirty="0">
                 <a:latin typeface="Candara" panose="020E0502030303020204" pitchFamily="34" charset="0"/>
               </a:rPr>
-              <a:t>Solicitud </a:t>
+              <a:t>Solicitud de Cambios a requerimientos</a:t>
             </a:r>
-            <a:r>
-              <a:rPr lang="es-PE" dirty="0">
-                <a:latin typeface="Candara" panose="020E0502030303020204" pitchFamily="34" charset="0"/>
-              </a:rPr>
-              <a:t>de </a:t>
-            </a:r>
-            <a:r>
-              <a:rPr lang="es-PE" dirty="0">
-                <a:latin typeface="Candara" panose="020E0502030303020204" pitchFamily="34" charset="0"/>
-              </a:rPr>
-              <a:t>Cambios a requerimientos</a:t>
-            </a:r>
-            <a:endParaRPr lang="es-PE" dirty="0">
-              <a:latin typeface="Candara" panose="020E0502030303020204" pitchFamily="34" charset="0"/>
-            </a:endParaRPr>
           </a:p>
         </p:txBody>
       </p:sp>
@@ -6534,19 +6560,7 @@
               <a:rPr lang="es-PE" dirty="0">
                 <a:latin typeface="Candara" panose="020E0502030303020204" pitchFamily="34" charset="0"/>
               </a:rPr>
-              <a:t>Plan </a:t>
-            </a:r>
-            <a:r>
-              <a:rPr lang="es-PE" dirty="0">
-                <a:latin typeface="Candara" panose="020E0502030303020204" pitchFamily="34" charset="0"/>
-              </a:rPr>
-              <a:t>del </a:t>
-            </a:r>
-            <a:r>
-              <a:rPr lang="es-PE" dirty="0">
-                <a:latin typeface="Candara" panose="020E0502030303020204" pitchFamily="34" charset="0"/>
-              </a:rPr>
-              <a:t>Proyecto</a:t>
+              <a:t>Plan del Proyecto</a:t>
             </a:r>
           </a:p>
           <a:p>
@@ -6559,26 +6573,35 @@
               <a:rPr lang="es-PE" dirty="0">
                 <a:latin typeface="Candara" panose="020E0502030303020204" pitchFamily="34" charset="0"/>
               </a:rPr>
-              <a:t>Solicitud </a:t>
+              <a:t>Solicitud de Cambios a requerimientos</a:t>
             </a:r>
-            <a:r>
-              <a:rPr lang="es-PE" dirty="0">
-                <a:latin typeface="Candara" panose="020E0502030303020204" pitchFamily="34" charset="0"/>
-              </a:rPr>
-              <a:t>de Cambios </a:t>
-            </a:r>
-            <a:r>
-              <a:rPr lang="es-PE" dirty="0">
-                <a:latin typeface="Candara" panose="020E0502030303020204" pitchFamily="34" charset="0"/>
-              </a:rPr>
-              <a:t>a requerimientos</a:t>
-            </a:r>
-            <a:endParaRPr lang="es-PE" dirty="0">
-              <a:latin typeface="Candara" panose="020E0502030303020204" pitchFamily="34" charset="0"/>
-            </a:endParaRPr>
           </a:p>
         </p:txBody>
       </p:sp>
+      <p:pic>
+        <p:nvPicPr>
+          <p:cNvPr id="6" name="Imagen 5"/>
+          <p:cNvPicPr>
+            <a:picLocks noChangeAspect="1"/>
+          </p:cNvPicPr>
+          <p:nvPr/>
+        </p:nvPicPr>
+        <p:blipFill rotWithShape="1">
+          <a:blip r:embed="rId2"/>
+          <a:srcRect t="1" r="10280" b="749"/>
+          <a:stretch/>
+        </p:blipFill>
+        <p:spPr>
+          <a:xfrm>
+            <a:off x="1" y="179"/>
+            <a:ext cx="914400" cy="888642"/>
+          </a:xfrm>
+          <a:prstGeom prst="rect">
+            <a:avLst/>
+          </a:prstGeom>
+          <a:noFill/>
+        </p:spPr>
+      </p:pic>
     </p:spTree>
     <p:extLst>
       <p:ext uri="{BB962C8B-B14F-4D97-AF65-F5344CB8AC3E}">
@@ -6868,15 +6891,36 @@
               </a:rPr>
               <a:t>5.1 Subprocesos</a:t>
             </a:r>
-            <a:endParaRPr lang="es-PE" altLang="es-ES" sz="3200" dirty="0">
-              <a:latin typeface="Candara" panose="020E0502030303020204" pitchFamily="34" charset="0"/>
-            </a:endParaRPr>
           </a:p>
           <a:p>
             <a:endParaRPr lang="es-ES" dirty="0"/>
           </a:p>
         </p:txBody>
       </p:sp>
+      <p:pic>
+        <p:nvPicPr>
+          <p:cNvPr id="6" name="Imagen 5"/>
+          <p:cNvPicPr>
+            <a:picLocks noChangeAspect="1"/>
+          </p:cNvPicPr>
+          <p:nvPr/>
+        </p:nvPicPr>
+        <p:blipFill rotWithShape="1">
+          <a:blip r:embed="rId2"/>
+          <a:srcRect t="1" r="10280" b="749"/>
+          <a:stretch/>
+        </p:blipFill>
+        <p:spPr>
+          <a:xfrm>
+            <a:off x="1" y="179"/>
+            <a:ext cx="914400" cy="888642"/>
+          </a:xfrm>
+          <a:prstGeom prst="rect">
+            <a:avLst/>
+          </a:prstGeom>
+          <a:noFill/>
+        </p:spPr>
+      </p:pic>
     </p:spTree>
     <p:extLst>
       <p:ext uri="{BB962C8B-B14F-4D97-AF65-F5344CB8AC3E}">
@@ -6980,13 +7024,7 @@
               <a:rPr lang="es-PE" altLang="es-ES" sz="3200" dirty="0">
                 <a:latin typeface="Candara" panose="020E0502030303020204" pitchFamily="34" charset="0"/>
               </a:rPr>
-              <a:t>Subprocesos del Gestión de Cambios a </a:t>
-            </a:r>
-            <a:r>
-              <a:rPr lang="es-PE" altLang="es-ES" sz="3200" dirty="0">
-                <a:latin typeface="Candara" panose="020E0502030303020204" pitchFamily="34" charset="0"/>
-              </a:rPr>
-              <a:t>Requerimientos</a:t>
+              <a:t>Subprocesos del Gestión de Cambios a Requerimientos</a:t>
             </a:r>
             <a:endParaRPr lang="es-ES" sz="4400" dirty="0">
               <a:solidFill>
@@ -7312,16 +7350,7 @@
                   </a:solidFill>
                   <a:latin typeface="Candara" panose="020E0502030303020204" pitchFamily="34" charset="0"/>
                 </a:rPr>
-                <a:t>(4) Analista </a:t>
-              </a:r>
-              <a:r>
-                <a:rPr lang="es-PE" altLang="es-ES" sz="900" b="1" dirty="0">
-                  <a:solidFill>
-                    <a:schemeClr val="tx2"/>
-                  </a:solidFill>
-                  <a:latin typeface="Candara" panose="020E0502030303020204" pitchFamily="34" charset="0"/>
-                </a:rPr>
-                <a:t>calidad</a:t>
+                <a:t>(4) Analista calidad</a:t>
               </a:r>
               <a:endParaRPr lang="es-ES" altLang="es-ES" sz="900" b="1" dirty="0">
                 <a:solidFill>
@@ -7797,16 +7826,7 @@
                   </a:solidFill>
                   <a:latin typeface="Candara" panose="020E0502030303020204" pitchFamily="34" charset="0"/>
                 </a:rPr>
-                <a:t>(6) </a:t>
-              </a:r>
-              <a:r>
-                <a:rPr lang="es-PE" altLang="es-ES" sz="900" b="1" dirty="0">
-                  <a:solidFill>
-                    <a:schemeClr val="tx2"/>
-                  </a:solidFill>
-                  <a:latin typeface="Candara" panose="020E0502030303020204" pitchFamily="34" charset="0"/>
-                </a:rPr>
-                <a:t>Jefe de proyecto</a:t>
+                <a:t>(6) Jefe de proyecto</a:t>
               </a:r>
               <a:endParaRPr lang="es-ES" altLang="es-ES" sz="900" b="1" dirty="0">
                 <a:solidFill>
@@ -8683,16 +8703,7 @@
                   </a:solidFill>
                   <a:latin typeface="Candara" panose="020E0502030303020204" pitchFamily="34" charset="0"/>
                 </a:rPr>
-                <a:t>(1) </a:t>
-              </a:r>
-              <a:r>
-                <a:rPr lang="es-PE" altLang="es-ES" sz="900" b="1" dirty="0">
-                  <a:solidFill>
-                    <a:schemeClr val="tx2"/>
-                  </a:solidFill>
-                  <a:latin typeface="Candara" panose="020E0502030303020204" pitchFamily="34" charset="0"/>
-                </a:rPr>
-                <a:t>Proveedor de cambios “Sport Perú”</a:t>
+                <a:t>(1) Proveedor de cambios “Sport Perú”</a:t>
               </a:r>
               <a:endParaRPr lang="es-ES" altLang="es-ES" sz="900" b="1" dirty="0">
                 <a:solidFill>
@@ -11193,6 +11204,30 @@
           </a:extLst>
         </p:spPr>
       </p:cxnSp>
+      <p:pic>
+        <p:nvPicPr>
+          <p:cNvPr id="50" name="Imagen 49"/>
+          <p:cNvPicPr>
+            <a:picLocks noChangeAspect="1"/>
+          </p:cNvPicPr>
+          <p:nvPr/>
+        </p:nvPicPr>
+        <p:blipFill rotWithShape="1">
+          <a:blip r:embed="rId6"/>
+          <a:srcRect t="1" r="10280" b="749"/>
+          <a:stretch/>
+        </p:blipFill>
+        <p:spPr>
+          <a:xfrm>
+            <a:off x="1" y="179"/>
+            <a:ext cx="914400" cy="888642"/>
+          </a:xfrm>
+          <a:prstGeom prst="rect">
+            <a:avLst/>
+          </a:prstGeom>
+          <a:noFill/>
+        </p:spPr>
+      </p:pic>
     </p:spTree>
     <p:extLst>
       <p:ext uri="{BB962C8B-B14F-4D97-AF65-F5344CB8AC3E}">
@@ -11203,13 +11238,13 @@
   <p:clrMapOvr>
     <a:masterClrMapping/>
   </p:clrMapOvr>
-  <mc:AlternateContent xmlns:mc="http://schemas.openxmlformats.org/markup-compatibility/2006">
-    <mc:Choice xmlns:p14="http://schemas.microsoft.com/office/powerpoint/2010/main" Requires="p14">
+  <mc:AlternateContent xmlns:mc="http://schemas.openxmlformats.org/markup-compatibility/2006" xmlns:p14="http://schemas.microsoft.com/office/powerpoint/2010/main">
+    <mc:Choice Requires="p14">
       <p:transition spd="med" p14:dur="700">
         <p:fade/>
       </p:transition>
     </mc:Choice>
-    <mc:Fallback>
+    <mc:Fallback xmlns="">
       <p:transition spd="med">
         <p:fade/>
       </p:transition>
@@ -13350,6 +13385,30 @@
           </a:graphicData>
         </a:graphic>
       </p:graphicFrame>
+      <p:pic>
+        <p:nvPicPr>
+          <p:cNvPr id="5" name="Imagen 4"/>
+          <p:cNvPicPr>
+            <a:picLocks noChangeAspect="1"/>
+          </p:cNvPicPr>
+          <p:nvPr/>
+        </p:nvPicPr>
+        <p:blipFill rotWithShape="1">
+          <a:blip r:embed="rId2"/>
+          <a:srcRect t="1" r="10280" b="749"/>
+          <a:stretch/>
+        </p:blipFill>
+        <p:spPr>
+          <a:xfrm>
+            <a:off x="1" y="179"/>
+            <a:ext cx="914400" cy="888642"/>
+          </a:xfrm>
+          <a:prstGeom prst="rect">
+            <a:avLst/>
+          </a:prstGeom>
+          <a:noFill/>
+        </p:spPr>
+      </p:pic>
     </p:spTree>
     <p:extLst>
       <p:ext uri="{BB962C8B-B14F-4D97-AF65-F5344CB8AC3E}">
@@ -13360,13 +13419,13 @@
   <p:clrMapOvr>
     <a:masterClrMapping/>
   </p:clrMapOvr>
-  <mc:AlternateContent xmlns:mc="http://schemas.openxmlformats.org/markup-compatibility/2006">
-    <mc:Choice xmlns:p14="http://schemas.microsoft.com/office/powerpoint/2010/main" Requires="p14">
+  <mc:AlternateContent xmlns:mc="http://schemas.openxmlformats.org/markup-compatibility/2006" xmlns:p14="http://schemas.microsoft.com/office/powerpoint/2010/main">
+    <mc:Choice Requires="p14">
       <p:transition spd="med" p14:dur="700">
         <p:fade/>
       </p:transition>
     </mc:Choice>
-    <mc:Fallback>
+    <mc:Fallback xmlns="">
       <p:transition spd="med">
         <p:fade/>
       </p:transition>
@@ -14225,6 +14284,30 @@
           </a:graphicData>
         </a:graphic>
       </p:graphicFrame>
+      <p:pic>
+        <p:nvPicPr>
+          <p:cNvPr id="5" name="Imagen 4"/>
+          <p:cNvPicPr>
+            <a:picLocks noChangeAspect="1"/>
+          </p:cNvPicPr>
+          <p:nvPr/>
+        </p:nvPicPr>
+        <p:blipFill rotWithShape="1">
+          <a:blip r:embed="rId2"/>
+          <a:srcRect t="1" r="10280" b="749"/>
+          <a:stretch/>
+        </p:blipFill>
+        <p:spPr>
+          <a:xfrm>
+            <a:off x="1" y="179"/>
+            <a:ext cx="914400" cy="888642"/>
+          </a:xfrm>
+          <a:prstGeom prst="rect">
+            <a:avLst/>
+          </a:prstGeom>
+          <a:noFill/>
+        </p:spPr>
+      </p:pic>
     </p:spTree>
     <p:extLst>
       <p:ext uri="{BB962C8B-B14F-4D97-AF65-F5344CB8AC3E}">
@@ -14235,13 +14318,13 @@
   <p:clrMapOvr>
     <a:masterClrMapping/>
   </p:clrMapOvr>
-  <mc:AlternateContent xmlns:mc="http://schemas.openxmlformats.org/markup-compatibility/2006">
-    <mc:Choice xmlns:p14="http://schemas.microsoft.com/office/powerpoint/2010/main" Requires="p14">
+  <mc:AlternateContent xmlns:mc="http://schemas.openxmlformats.org/markup-compatibility/2006" xmlns:p14="http://schemas.microsoft.com/office/powerpoint/2010/main">
+    <mc:Choice Requires="p14">
       <p:transition spd="med" p14:dur="700">
         <p:fade/>
       </p:transition>
     </mc:Choice>
-    <mc:Fallback>
+    <mc:Fallback xmlns="">
       <p:transition spd="med">
         <p:fade/>
       </p:transition>
@@ -14313,6 +14396,30 @@
           </a:p>
         </p:txBody>
       </p:sp>
+      <p:pic>
+        <p:nvPicPr>
+          <p:cNvPr id="3" name="Imagen 2"/>
+          <p:cNvPicPr>
+            <a:picLocks noChangeAspect="1"/>
+          </p:cNvPicPr>
+          <p:nvPr/>
+        </p:nvPicPr>
+        <p:blipFill rotWithShape="1">
+          <a:blip r:embed="rId2"/>
+          <a:srcRect t="1" r="10280" b="749"/>
+          <a:stretch/>
+        </p:blipFill>
+        <p:spPr>
+          <a:xfrm>
+            <a:off x="1" y="179"/>
+            <a:ext cx="914400" cy="888642"/>
+          </a:xfrm>
+          <a:prstGeom prst="rect">
+            <a:avLst/>
+          </a:prstGeom>
+          <a:noFill/>
+        </p:spPr>
+      </p:pic>
     </p:spTree>
     <p:extLst>
       <p:ext uri="{BB962C8B-B14F-4D97-AF65-F5344CB8AC3E}">
@@ -14596,13 +14703,7 @@
               <a:rPr lang="es-PE" altLang="es-ES" sz="2000" dirty="0">
                 <a:latin typeface="Candara" panose="020E0502030303020204" pitchFamily="34" charset="0"/>
               </a:rPr>
-              <a:t>Volatilidad </a:t>
-            </a:r>
-            <a:r>
-              <a:rPr lang="es-PE" altLang="es-ES" sz="2000" dirty="0">
-                <a:latin typeface="Candara" panose="020E0502030303020204" pitchFamily="34" charset="0"/>
-              </a:rPr>
-              <a:t>de Requerimientos</a:t>
+              <a:t>Volatilidad de Requerimientos</a:t>
             </a:r>
             <a:endParaRPr lang="es-ES" altLang="es-PE" sz="2000" dirty="0">
               <a:latin typeface="Candara" panose="020E0502030303020204" pitchFamily="34" charset="0"/>
@@ -14610,6 +14711,30 @@
           </a:p>
         </p:txBody>
       </p:sp>
+      <p:pic>
+        <p:nvPicPr>
+          <p:cNvPr id="4" name="Imagen 3"/>
+          <p:cNvPicPr>
+            <a:picLocks noChangeAspect="1"/>
+          </p:cNvPicPr>
+          <p:nvPr/>
+        </p:nvPicPr>
+        <p:blipFill rotWithShape="1">
+          <a:blip r:embed="rId3"/>
+          <a:srcRect t="1" r="10280" b="749"/>
+          <a:stretch/>
+        </p:blipFill>
+        <p:spPr>
+          <a:xfrm>
+            <a:off x="1" y="179"/>
+            <a:ext cx="914400" cy="888642"/>
+          </a:xfrm>
+          <a:prstGeom prst="rect">
+            <a:avLst/>
+          </a:prstGeom>
+          <a:noFill/>
+        </p:spPr>
+      </p:pic>
     </p:spTree>
     <p:extLst>
       <p:ext uri="{BB962C8B-B14F-4D97-AF65-F5344CB8AC3E}">
@@ -14689,6 +14814,30 @@
           </a:p>
         </p:txBody>
       </p:sp>
+      <p:pic>
+        <p:nvPicPr>
+          <p:cNvPr id="3" name="Imagen 2"/>
+          <p:cNvPicPr>
+            <a:picLocks noChangeAspect="1"/>
+          </p:cNvPicPr>
+          <p:nvPr/>
+        </p:nvPicPr>
+        <p:blipFill rotWithShape="1">
+          <a:blip r:embed="rId2"/>
+          <a:srcRect t="1" r="10280" b="749"/>
+          <a:stretch/>
+        </p:blipFill>
+        <p:spPr>
+          <a:xfrm>
+            <a:off x="1" y="179"/>
+            <a:ext cx="914400" cy="888642"/>
+          </a:xfrm>
+          <a:prstGeom prst="rect">
+            <a:avLst/>
+          </a:prstGeom>
+          <a:noFill/>
+        </p:spPr>
+      </p:pic>
     </p:spTree>
     <p:extLst>
       <p:ext uri="{BB962C8B-B14F-4D97-AF65-F5344CB8AC3E}">
@@ -15731,6 +15880,30 @@
           </a:graphicData>
         </a:graphic>
       </p:graphicFrame>
+      <p:pic>
+        <p:nvPicPr>
+          <p:cNvPr id="5" name="Imagen 4"/>
+          <p:cNvPicPr>
+            <a:picLocks noChangeAspect="1"/>
+          </p:cNvPicPr>
+          <p:nvPr/>
+        </p:nvPicPr>
+        <p:blipFill rotWithShape="1">
+          <a:blip r:embed="rId2"/>
+          <a:srcRect t="1" r="10280" b="749"/>
+          <a:stretch/>
+        </p:blipFill>
+        <p:spPr>
+          <a:xfrm>
+            <a:off x="1" y="179"/>
+            <a:ext cx="914400" cy="888642"/>
+          </a:xfrm>
+          <a:prstGeom prst="rect">
+            <a:avLst/>
+          </a:prstGeom>
+          <a:noFill/>
+        </p:spPr>
+      </p:pic>
     </p:spTree>
     <p:extLst>
       <p:ext uri="{BB962C8B-B14F-4D97-AF65-F5344CB8AC3E}">
@@ -15741,13 +15914,13 @@
   <p:clrMapOvr>
     <a:masterClrMapping/>
   </p:clrMapOvr>
-  <mc:AlternateContent xmlns:mc="http://schemas.openxmlformats.org/markup-compatibility/2006">
-    <mc:Choice xmlns:p14="http://schemas.microsoft.com/office/powerpoint/2010/main" Requires="p14">
+  <mc:AlternateContent xmlns:mc="http://schemas.openxmlformats.org/markup-compatibility/2006" xmlns:p14="http://schemas.microsoft.com/office/powerpoint/2010/main">
+    <mc:Choice Requires="p14">
       <p:transition spd="med" p14:dur="700">
         <p:fade/>
       </p:transition>
     </mc:Choice>
-    <mc:Fallback>
+    <mc:Fallback xmlns="">
       <p:transition spd="med">
         <p:fade/>
       </p:transition>
@@ -15809,9 +15982,6 @@
               </a:rPr>
               <a:t>Contenido:</a:t>
             </a:r>
-            <a:endParaRPr lang="es-ES" sz="6000" dirty="0">
-              <a:latin typeface="Candara" panose="020E0502030303020204" pitchFamily="34" charset="0"/>
-            </a:endParaRPr>
           </a:p>
         </p:txBody>
       </p:sp>
@@ -16105,6 +16275,30 @@
           </a:extLst>
         </p:spPr>
       </p:pic>
+      <p:pic>
+        <p:nvPicPr>
+          <p:cNvPr id="5" name="Imagen 4"/>
+          <p:cNvPicPr>
+            <a:picLocks noChangeAspect="1"/>
+          </p:cNvPicPr>
+          <p:nvPr/>
+        </p:nvPicPr>
+        <p:blipFill rotWithShape="1">
+          <a:blip r:embed="rId3"/>
+          <a:srcRect t="1" r="10280" b="749"/>
+          <a:stretch/>
+        </p:blipFill>
+        <p:spPr>
+          <a:xfrm>
+            <a:off x="1" y="179"/>
+            <a:ext cx="914400" cy="888642"/>
+          </a:xfrm>
+          <a:prstGeom prst="rect">
+            <a:avLst/>
+          </a:prstGeom>
+          <a:noFill/>
+        </p:spPr>
+      </p:pic>
     </p:spTree>
     <p:extLst>
       <p:ext uri="{BB962C8B-B14F-4D97-AF65-F5344CB8AC3E}">
@@ -16115,13 +16309,13 @@
   <p:clrMapOvr>
     <a:masterClrMapping/>
   </p:clrMapOvr>
-  <mc:AlternateContent xmlns:mc="http://schemas.openxmlformats.org/markup-compatibility/2006">
-    <mc:Choice xmlns:p14="http://schemas.microsoft.com/office/powerpoint/2010/main" Requires="p14">
+  <mc:AlternateContent xmlns:mc="http://schemas.openxmlformats.org/markup-compatibility/2006" xmlns:p14="http://schemas.microsoft.com/office/powerpoint/2010/main">
+    <mc:Choice Requires="p14">
       <p:transition spd="slow" p14:dur="1500">
         <p:split orient="vert"/>
       </p:transition>
     </mc:Choice>
-    <mc:Fallback>
+    <mc:Fallback xmlns="">
       <p:transition spd="slow">
         <p:split orient="vert"/>
       </p:transition>
@@ -16187,6 +16381,30 @@
           </a:p>
         </p:txBody>
       </p:sp>
+      <p:pic>
+        <p:nvPicPr>
+          <p:cNvPr id="3" name="Imagen 2"/>
+          <p:cNvPicPr>
+            <a:picLocks noChangeAspect="1"/>
+          </p:cNvPicPr>
+          <p:nvPr/>
+        </p:nvPicPr>
+        <p:blipFill rotWithShape="1">
+          <a:blip r:embed="rId2"/>
+          <a:srcRect t="1" r="10280" b="749"/>
+          <a:stretch/>
+        </p:blipFill>
+        <p:spPr>
+          <a:xfrm>
+            <a:off x="1" y="179"/>
+            <a:ext cx="914400" cy="888642"/>
+          </a:xfrm>
+          <a:prstGeom prst="rect">
+            <a:avLst/>
+          </a:prstGeom>
+          <a:noFill/>
+        </p:spPr>
+      </p:pic>
     </p:spTree>
     <p:extLst>
       <p:ext uri="{BB962C8B-B14F-4D97-AF65-F5344CB8AC3E}">
@@ -16709,6 +16927,30 @@
           </a:graphicData>
         </a:graphic>
       </p:graphicFrame>
+      <p:pic>
+        <p:nvPicPr>
+          <p:cNvPr id="5" name="Imagen 4"/>
+          <p:cNvPicPr>
+            <a:picLocks noChangeAspect="1"/>
+          </p:cNvPicPr>
+          <p:nvPr/>
+        </p:nvPicPr>
+        <p:blipFill rotWithShape="1">
+          <a:blip r:embed="rId2"/>
+          <a:srcRect t="1" r="10280" b="749"/>
+          <a:stretch/>
+        </p:blipFill>
+        <p:spPr>
+          <a:xfrm>
+            <a:off x="1" y="179"/>
+            <a:ext cx="914400" cy="888642"/>
+          </a:xfrm>
+          <a:prstGeom prst="rect">
+            <a:avLst/>
+          </a:prstGeom>
+          <a:noFill/>
+        </p:spPr>
+      </p:pic>
     </p:spTree>
     <p:extLst>
       <p:ext uri="{BB962C8B-B14F-4D97-AF65-F5344CB8AC3E}">
@@ -16719,13 +16961,13 @@
   <p:clrMapOvr>
     <a:masterClrMapping/>
   </p:clrMapOvr>
-  <mc:AlternateContent xmlns:mc="http://schemas.openxmlformats.org/markup-compatibility/2006">
-    <mc:Choice xmlns:p14="http://schemas.microsoft.com/office/powerpoint/2010/main" Requires="p14">
+  <mc:AlternateContent xmlns:mc="http://schemas.openxmlformats.org/markup-compatibility/2006" xmlns:p14="http://schemas.microsoft.com/office/powerpoint/2010/main">
+    <mc:Choice Requires="p14">
       <p:transition spd="med" p14:dur="700">
         <p:fade/>
       </p:transition>
     </mc:Choice>
-    <mc:Fallback>
+    <mc:Fallback xmlns="">
       <p:transition spd="med">
         <p:fade/>
       </p:transition>
@@ -16795,6 +17037,30 @@
           </a:p>
         </p:txBody>
       </p:sp>
+      <p:pic>
+        <p:nvPicPr>
+          <p:cNvPr id="3" name="Imagen 2"/>
+          <p:cNvPicPr>
+            <a:picLocks noChangeAspect="1"/>
+          </p:cNvPicPr>
+          <p:nvPr/>
+        </p:nvPicPr>
+        <p:blipFill rotWithShape="1">
+          <a:blip r:embed="rId2"/>
+          <a:srcRect t="1" r="10280" b="749"/>
+          <a:stretch/>
+        </p:blipFill>
+        <p:spPr>
+          <a:xfrm>
+            <a:off x="1" y="179"/>
+            <a:ext cx="914400" cy="888642"/>
+          </a:xfrm>
+          <a:prstGeom prst="rect">
+            <a:avLst/>
+          </a:prstGeom>
+          <a:noFill/>
+        </p:spPr>
+      </p:pic>
     </p:spTree>
     <p:extLst>
       <p:ext uri="{BB962C8B-B14F-4D97-AF65-F5344CB8AC3E}">
@@ -17179,6 +17445,30 @@
           </a:p>
         </p:txBody>
       </p:sp>
+      <p:pic>
+        <p:nvPicPr>
+          <p:cNvPr id="5" name="Imagen 4"/>
+          <p:cNvPicPr>
+            <a:picLocks noChangeAspect="1"/>
+          </p:cNvPicPr>
+          <p:nvPr/>
+        </p:nvPicPr>
+        <p:blipFill rotWithShape="1">
+          <a:blip r:embed="rId3"/>
+          <a:srcRect t="1" r="10280" b="749"/>
+          <a:stretch/>
+        </p:blipFill>
+        <p:spPr>
+          <a:xfrm>
+            <a:off x="1" y="179"/>
+            <a:ext cx="914400" cy="888642"/>
+          </a:xfrm>
+          <a:prstGeom prst="rect">
+            <a:avLst/>
+          </a:prstGeom>
+          <a:noFill/>
+        </p:spPr>
+      </p:pic>
     </p:spTree>
     <p:extLst>
       <p:ext uri="{BB962C8B-B14F-4D97-AF65-F5344CB8AC3E}">
@@ -17328,6 +17618,30 @@
           </a:p>
         </p:txBody>
       </p:sp>
+      <p:pic>
+        <p:nvPicPr>
+          <p:cNvPr id="3" name="Imagen 2"/>
+          <p:cNvPicPr>
+            <a:picLocks noChangeAspect="1"/>
+          </p:cNvPicPr>
+          <p:nvPr/>
+        </p:nvPicPr>
+        <p:blipFill rotWithShape="1">
+          <a:blip r:embed="rId2"/>
+          <a:srcRect t="1" r="10280" b="749"/>
+          <a:stretch/>
+        </p:blipFill>
+        <p:spPr>
+          <a:xfrm>
+            <a:off x="1" y="179"/>
+            <a:ext cx="914400" cy="888642"/>
+          </a:xfrm>
+          <a:prstGeom prst="rect">
+            <a:avLst/>
+          </a:prstGeom>
+          <a:noFill/>
+        </p:spPr>
+      </p:pic>
     </p:spTree>
     <p:extLst>
       <p:ext uri="{BB962C8B-B14F-4D97-AF65-F5344CB8AC3E}">
@@ -18139,6 +18453,30 @@
           </a:graphicData>
         </a:graphic>
       </p:graphicFrame>
+      <p:pic>
+        <p:nvPicPr>
+          <p:cNvPr id="5" name="Imagen 4"/>
+          <p:cNvPicPr>
+            <a:picLocks noChangeAspect="1"/>
+          </p:cNvPicPr>
+          <p:nvPr/>
+        </p:nvPicPr>
+        <p:blipFill rotWithShape="1">
+          <a:blip r:embed="rId2"/>
+          <a:srcRect t="1" r="10280" b="749"/>
+          <a:stretch/>
+        </p:blipFill>
+        <p:spPr>
+          <a:xfrm>
+            <a:off x="1" y="179"/>
+            <a:ext cx="914400" cy="888642"/>
+          </a:xfrm>
+          <a:prstGeom prst="rect">
+            <a:avLst/>
+          </a:prstGeom>
+          <a:noFill/>
+        </p:spPr>
+      </p:pic>
     </p:spTree>
     <p:extLst>
       <p:ext uri="{BB962C8B-B14F-4D97-AF65-F5344CB8AC3E}">
@@ -18208,6 +18546,30 @@
           </a:p>
         </p:txBody>
       </p:sp>
+      <p:pic>
+        <p:nvPicPr>
+          <p:cNvPr id="3" name="Imagen 2"/>
+          <p:cNvPicPr>
+            <a:picLocks noChangeAspect="1"/>
+          </p:cNvPicPr>
+          <p:nvPr/>
+        </p:nvPicPr>
+        <p:blipFill rotWithShape="1">
+          <a:blip r:embed="rId2"/>
+          <a:srcRect t="1" r="10280" b="749"/>
+          <a:stretch/>
+        </p:blipFill>
+        <p:spPr>
+          <a:xfrm>
+            <a:off x="1" y="179"/>
+            <a:ext cx="914400" cy="888642"/>
+          </a:xfrm>
+          <a:prstGeom prst="rect">
+            <a:avLst/>
+          </a:prstGeom>
+          <a:noFill/>
+        </p:spPr>
+      </p:pic>
     </p:spTree>
     <p:extLst>
       <p:ext uri="{BB962C8B-B14F-4D97-AF65-F5344CB8AC3E}">
@@ -18564,12 +18926,6 @@
               </a:rPr>
               <a:t>Autoriza la solicitud de un cambio.</a:t>
             </a:r>
-            <a:endParaRPr lang="es-ES" altLang="es-ES" sz="1400" dirty="0">
-              <a:solidFill>
-                <a:schemeClr val="tx1"/>
-              </a:solidFill>
-              <a:latin typeface="Candara" panose="020E0502030303020204" pitchFamily="34" charset="0"/>
-            </a:endParaRPr>
           </a:p>
         </p:txBody>
       </p:sp>
@@ -18771,12 +19127,6 @@
               </a:rPr>
               <a:t>Es responsable de la evaluación del impacto de un cambio en los requerimientos, indicando qué actividades del cronograma se verán afectadas por el cambio.</a:t>
             </a:r>
-            <a:endParaRPr lang="es-ES" altLang="es-ES" sz="1400" dirty="0">
-              <a:solidFill>
-                <a:schemeClr val="tx1"/>
-              </a:solidFill>
-              <a:latin typeface="Candara" panose="020E0502030303020204" pitchFamily="34" charset="0"/>
-            </a:endParaRPr>
           </a:p>
         </p:txBody>
       </p:sp>
@@ -18906,15 +19256,33 @@
               </a:rPr>
               <a:t>Participa en la evaluación del impacto de cambios a requerimientos, indicando qué actividades del cronograma se verán afectadas por el cambio</a:t>
             </a:r>
-            <a:endParaRPr lang="es-ES" altLang="es-ES" sz="1400" dirty="0">
-              <a:solidFill>
-                <a:schemeClr val="tx1"/>
-              </a:solidFill>
-              <a:latin typeface="Candara" panose="020E0502030303020204" pitchFamily="34" charset="0"/>
-            </a:endParaRPr>
           </a:p>
         </p:txBody>
       </p:sp>
+      <p:pic>
+        <p:nvPicPr>
+          <p:cNvPr id="11" name="Imagen 10"/>
+          <p:cNvPicPr>
+            <a:picLocks noChangeAspect="1"/>
+          </p:cNvPicPr>
+          <p:nvPr/>
+        </p:nvPicPr>
+        <p:blipFill rotWithShape="1">
+          <a:blip r:embed="rId2"/>
+          <a:srcRect t="1" r="10280" b="749"/>
+          <a:stretch/>
+        </p:blipFill>
+        <p:spPr>
+          <a:xfrm>
+            <a:off x="1" y="179"/>
+            <a:ext cx="914400" cy="888642"/>
+          </a:xfrm>
+          <a:prstGeom prst="rect">
+            <a:avLst/>
+          </a:prstGeom>
+          <a:noFill/>
+        </p:spPr>
+      </p:pic>
     </p:spTree>
     <p:extLst>
       <p:ext uri="{BB962C8B-B14F-4D97-AF65-F5344CB8AC3E}">
@@ -18925,13 +19293,13 @@
   <p:clrMapOvr>
     <a:masterClrMapping/>
   </p:clrMapOvr>
-  <mc:AlternateContent xmlns:mc="http://schemas.openxmlformats.org/markup-compatibility/2006">
-    <mc:Choice xmlns:p14="http://schemas.microsoft.com/office/powerpoint/2010/main" Requires="p14">
+  <mc:AlternateContent xmlns:mc="http://schemas.openxmlformats.org/markup-compatibility/2006" xmlns:p14="http://schemas.microsoft.com/office/powerpoint/2010/main">
+    <mc:Choice Requires="p14">
       <p:transition spd="slow" p14:dur="800">
         <p:circle/>
       </p:transition>
     </mc:Choice>
-    <mc:Fallback>
+    <mc:Fallback xmlns="">
       <p:transition spd="slow">
         <p:circle/>
       </p:transition>
@@ -19361,6 +19729,30 @@
           </a:p>
         </p:txBody>
       </p:sp>
+      <p:pic>
+        <p:nvPicPr>
+          <p:cNvPr id="11" name="Imagen 10"/>
+          <p:cNvPicPr>
+            <a:picLocks noChangeAspect="1"/>
+          </p:cNvPicPr>
+          <p:nvPr/>
+        </p:nvPicPr>
+        <p:blipFill rotWithShape="1">
+          <a:blip r:embed="rId2"/>
+          <a:srcRect t="1" r="10280" b="749"/>
+          <a:stretch/>
+        </p:blipFill>
+        <p:spPr>
+          <a:xfrm>
+            <a:off x="1" y="179"/>
+            <a:ext cx="914400" cy="888642"/>
+          </a:xfrm>
+          <a:prstGeom prst="rect">
+            <a:avLst/>
+          </a:prstGeom>
+          <a:noFill/>
+        </p:spPr>
+      </p:pic>
     </p:spTree>
     <p:extLst>
       <p:ext uri="{BB962C8B-B14F-4D97-AF65-F5344CB8AC3E}">
@@ -19371,13 +19763,13 @@
   <p:clrMapOvr>
     <a:masterClrMapping/>
   </p:clrMapOvr>
-  <mc:AlternateContent xmlns:mc="http://schemas.openxmlformats.org/markup-compatibility/2006">
-    <mc:Choice xmlns:p14="http://schemas.microsoft.com/office/powerpoint/2010/main" Requires="p14">
+  <mc:AlternateContent xmlns:mc="http://schemas.openxmlformats.org/markup-compatibility/2006" xmlns:p14="http://schemas.microsoft.com/office/powerpoint/2010/main">
+    <mc:Choice Requires="p14">
       <p:transition spd="slow" p14:dur="800">
         <p:circle/>
       </p:transition>
     </mc:Choice>
-    <mc:Fallback>
+    <mc:Fallback xmlns="">
       <p:transition spd="slow">
         <p:circle/>
       </p:transition>
